--- a/powerpoints/11-safety-first.pptx
+++ b/powerpoints/11-safety-first.pptx
@@ -11972,20 +11972,6 @@
             <a:r>
               <a:rPr/>
               <a:t>questions:</a:t>
-            </a:r>
-          </a:p>
-          <a:p>
-            <a:pPr lvl="0" marL="0" indent="0">
-              <a:buNone/>
-            </a:pPr>
-          </a:p>
-          <a:p>
-            <a:pPr lvl="0" marL="0" indent="0">
-              <a:buNone/>
-            </a:pPr>
-            <a:r>
-              <a:rPr/>
-              <a:t>worksheet</a:t>
             </a:r>
           </a:p>
           <a:p>
@@ -33856,14 +33842,28 @@
             <a:pPr lvl="1"/>
             <a:r>
               <a:rPr/>
-              <a:t>We’re going to do a quick recap of their day so far today.</a:t>
-            </a:r>
-          </a:p>
-          <a:p>
-            <a:pPr lvl="1"/>
-            <a:r>
-              <a:rPr/>
-              <a:t>Think through all the things you did, from waking up to making it here to this session.</a:t>
+              <a:t>List all the things you did yesterday on your whiteboard</a:t>
+            </a:r>
+          </a:p>
+          <a:p>
+            <a:pPr lvl="2"/>
+            <a:r>
+              <a:rPr/>
+              <a:t>What did you do?</a:t>
+            </a:r>
+          </a:p>
+          <a:p>
+            <a:pPr lvl="2"/>
+            <a:r>
+              <a:rPr/>
+              <a:t>When?</a:t>
+            </a:r>
+          </a:p>
+          <a:p>
+            <a:pPr lvl="2"/>
+            <a:r>
+              <a:rPr/>
+              <a:t>What device / website did I use?</a:t>
             </a:r>
           </a:p>
         </p:txBody>
